--- a/docs/画面説明書.pptx
+++ b/docs/画面説明書.pptx
@@ -223,7 +223,7 @@
           <a:p>
             <a:fld id="{5B213239-0311-D941-8C9E-51B01D65631C}" type="datetimeFigureOut">
               <a:rPr lang="ja-JP" altLang="en-US" smtClean="0"/>
-              <a:t>2018/2/7</a:t>
+              <a:t>2018/3/22</a:t>
             </a:fld>
             <a:endParaRPr lang="ja-JP" altLang="en-US"/>
           </a:p>
@@ -389,7 +389,7 @@
           <a:p>
             <a:fld id="{ED916517-D2FE-484B-984F-61CA88833216}" type="datetimeFigureOut">
               <a:rPr lang="ja-JP" altLang="en-US" smtClean="0"/>
-              <a:t>2018/2/7</a:t>
+              <a:t>2018/3/22</a:t>
             </a:fld>
             <a:endParaRPr lang="ja-JP" altLang="en-US"/>
           </a:p>
@@ -3372,6 +3372,13 @@
   <p:clrMapOvr>
     <a:masterClrMapping/>
   </p:clrMapOvr>
+  <p:timing>
+    <p:tnLst>
+      <p:par>
+        <p:cTn id="1" dur="indefinite" restart="never" nodeType="tmRoot"/>
+      </p:par>
+    </p:tnLst>
+  </p:timing>
 </p:sld>
 </file>
 
@@ -3914,6 +3921,13 @@
   <p:clrMapOvr>
     <a:masterClrMapping/>
   </p:clrMapOvr>
+  <p:timing>
+    <p:tnLst>
+      <p:par>
+        <p:cTn id="1" dur="indefinite" restart="never" nodeType="tmRoot"/>
+      </p:par>
+    </p:tnLst>
+  </p:timing>
 </p:sld>
 </file>
 
@@ -4111,6 +4125,13 @@
   <p:clrMapOvr>
     <a:masterClrMapping/>
   </p:clrMapOvr>
+  <p:timing>
+    <p:tnLst>
+      <p:par>
+        <p:cTn id="1" dur="indefinite" restart="never" nodeType="tmRoot"/>
+      </p:par>
+    </p:tnLst>
+  </p:timing>
 </p:sld>
 </file>
 
@@ -4304,6 +4325,13 @@
   <p:clrMapOvr>
     <a:masterClrMapping/>
   </p:clrMapOvr>
+  <p:timing>
+    <p:tnLst>
+      <p:par>
+        <p:cTn id="1" dur="indefinite" restart="never" nodeType="tmRoot"/>
+      </p:par>
+    </p:tnLst>
+  </p:timing>
 </p:sld>
 </file>
 
@@ -4348,15 +4376,7 @@
           <a:p>
             <a:r>
               <a:rPr lang="ja-JP" altLang="en-US" sz="1200" dirty="0" smtClean="0"/>
-              <a:t>メールアドレスとパスワードを入力し、</a:t>
-            </a:r>
-            <a:r>
-              <a:rPr lang="en-US" altLang="ja-JP" sz="1200" dirty="0" err="1" smtClean="0"/>
-              <a:t>Argana</a:t>
-            </a:r>
-            <a:r>
-              <a:rPr lang="ja-JP" altLang="en-US" sz="1200" dirty="0" smtClean="0"/>
-              <a:t>操作画面へのログインを行います。</a:t>
+              <a:t>メールアドレスとパスワードを入力し、看護必要度チェッカー操作画面へのログインを行います。</a:t>
             </a:r>
             <a:endParaRPr lang="en-US" altLang="ja-JP" sz="1200" dirty="0" smtClean="0"/>
           </a:p>
@@ -4519,8 +4539,8 @@
         </p:nvSpPr>
         <p:spPr>
           <a:xfrm>
-            <a:off x="578853" y="4119824"/>
-            <a:ext cx="7975600" cy="2420656"/>
+            <a:off x="396215" y="5069187"/>
+            <a:ext cx="7975600" cy="1675821"/>
           </a:xfrm>
         </p:spPr>
         <p:txBody>
@@ -4590,6 +4610,37 @@
             <a:r>
               <a:rPr lang="ja-JP" altLang="en-US" sz="1200" dirty="0" smtClean="0"/>
               <a:t>最終日を指定すると、指定した日までのデータのみ取り込みます。</a:t>
+            </a:r>
+            <a:endParaRPr lang="en-US" altLang="ja-JP" sz="1200" dirty="0" smtClean="0"/>
+          </a:p>
+          <a:p>
+            <a:pPr>
+              <a:buFont typeface="Arial" panose="020B0604020202020204" pitchFamily="34" charset="0"/>
+              <a:buChar char="•"/>
+            </a:pPr>
+            <a:r>
+              <a:rPr lang="en-US" altLang="ja-JP" sz="1200" dirty="0"/>
+              <a:t>『</a:t>
+            </a:r>
+            <a:r>
+              <a:rPr lang="ja-JP" altLang="en-US" sz="1200" dirty="0" smtClean="0"/>
+              <a:t>識別番号を暗号化</a:t>
+            </a:r>
+            <a:r>
+              <a:rPr lang="en-US" altLang="ja-JP" sz="1200" dirty="0" smtClean="0"/>
+              <a:t>』</a:t>
+            </a:r>
+            <a:r>
+              <a:rPr lang="ja-JP" altLang="en-US" sz="1200" dirty="0" smtClean="0"/>
+              <a:t>にチェックをいれると、別ブラウザで確認時「識別番号</a:t>
+            </a:r>
+            <a:r>
+              <a:rPr lang="en-US" altLang="ja-JP" sz="1200" dirty="0" smtClean="0"/>
+              <a:t>+</a:t>
+            </a:r>
+            <a:r>
+              <a:rPr lang="ja-JP" altLang="en-US" sz="1200" dirty="0" smtClean="0"/>
+              <a:t>暗号化コード」の値がデータ識別番号欄に表示されます。</a:t>
             </a:r>
             <a:endParaRPr lang="en-US" altLang="ja-JP" sz="1200" dirty="0" smtClean="0"/>
           </a:p>
@@ -4674,7 +4725,7 @@
       </p:sp>
       <p:pic>
         <p:nvPicPr>
-          <p:cNvPr id="5" name="図 4"/>
+          <p:cNvPr id="7" name="図 6"/>
           <p:cNvPicPr>
             <a:picLocks noChangeAspect="1"/>
           </p:cNvPicPr>
@@ -4688,13 +4739,13 @@
               </a:ext>
             </a:extLst>
           </a:blip>
-          <a:srcRect r="14268" b="47813"/>
+          <a:srcRect r="27067" b="40714"/>
           <a:stretch/>
         </p:blipFill>
         <p:spPr>
           <a:xfrm>
-            <a:off x="234742" y="778248"/>
-            <a:ext cx="8663932" cy="3087643"/>
+            <a:off x="396215" y="800122"/>
+            <a:ext cx="8340876" cy="4064537"/>
           </a:xfrm>
           <a:prstGeom prst="rect">
             <a:avLst/>
@@ -4711,6 +4762,13 @@
   <p:clrMapOvr>
     <a:masterClrMapping/>
   </p:clrMapOvr>
+  <p:timing>
+    <p:tnLst>
+      <p:par>
+        <p:cTn id="1" dur="indefinite" restart="never" nodeType="tmRoot"/>
+      </p:par>
+    </p:tnLst>
+  </p:timing>
 </p:sld>
 </file>
 
@@ -4937,6 +4995,13 @@
   <p:clrMapOvr>
     <a:masterClrMapping/>
   </p:clrMapOvr>
+  <p:timing>
+    <p:tnLst>
+      <p:par>
+        <p:cTn id="1" dur="indefinite" restart="never" nodeType="tmRoot"/>
+      </p:par>
+    </p:tnLst>
+  </p:timing>
 </p:sld>
 </file>
 
@@ -5154,6 +5219,13 @@
   <p:clrMapOvr>
     <a:masterClrMapping/>
   </p:clrMapOvr>
+  <p:timing>
+    <p:tnLst>
+      <p:par>
+        <p:cTn id="1" dur="indefinite" restart="never" nodeType="tmRoot"/>
+      </p:par>
+    </p:tnLst>
+  </p:timing>
 </p:sld>
 </file>
 
@@ -5262,8 +5334,8 @@
         </p:nvSpPr>
         <p:spPr>
           <a:xfrm>
-            <a:off x="572780" y="5314143"/>
-            <a:ext cx="7975600" cy="1366575"/>
+            <a:off x="618599" y="4803649"/>
+            <a:ext cx="7975600" cy="2054352"/>
           </a:xfrm>
         </p:spPr>
         <p:txBody>
@@ -5286,6 +5358,18 @@
             <a:r>
               <a:rPr lang="ja-JP" altLang="en-US" sz="1200" dirty="0" smtClean="0"/>
               <a:t>算定漏れ日は</a:t>
+            </a:r>
+            <a:endParaRPr lang="en-US" altLang="ja-JP" sz="1200" dirty="0" smtClean="0"/>
+          </a:p>
+          <a:p>
+            <a:pPr marL="0" indent="0"/>
+            <a:r>
+              <a:rPr lang="en-US" altLang="ja-JP" sz="1200" dirty="0" smtClean="0"/>
+              <a:t>	-EF</a:t>
+            </a:r>
+            <a:r>
+              <a:rPr lang="ja-JP" altLang="en-US" sz="1200" dirty="0" smtClean="0"/>
+              <a:t>ファイルのみ記入がある場合は</a:t>
             </a:r>
             <a:r>
               <a:rPr lang="ja-JP" altLang="en-US" sz="1200" dirty="0" smtClean="0">
@@ -5295,9 +5379,47 @@
               </a:rPr>
               <a:t>赤</a:t>
             </a:r>
+            <a:endParaRPr lang="en-US" altLang="ja-JP" sz="1200" dirty="0"/>
+          </a:p>
+          <a:p>
+            <a:pPr marL="0" indent="0"/>
+            <a:r>
+              <a:rPr lang="en-US" altLang="ja-JP" sz="1200" dirty="0" smtClean="0"/>
+              <a:t>	-H</a:t>
+            </a:r>
             <a:r>
               <a:rPr lang="ja-JP" altLang="en-US" sz="1200" dirty="0" smtClean="0"/>
-              <a:t>、ファイル内容一致日は</a:t>
+              <a:t>ファイルのみ記入がある場合は</a:t>
+            </a:r>
+            <a:r>
+              <a:rPr lang="ja-JP" altLang="en-US" sz="1200" dirty="0" smtClean="0">
+                <a:solidFill>
+                  <a:schemeClr val="accent6">
+                    <a:lumMod val="60000"/>
+                    <a:lumOff val="40000"/>
+                  </a:schemeClr>
+                </a:solidFill>
+              </a:rPr>
+              <a:t>オレンジ</a:t>
+            </a:r>
+            <a:endParaRPr lang="en-US" altLang="ja-JP" sz="1200" dirty="0" smtClean="0">
+              <a:solidFill>
+                <a:schemeClr val="accent6">
+                  <a:lumMod val="60000"/>
+                  <a:lumOff val="40000"/>
+                </a:schemeClr>
+              </a:solidFill>
+            </a:endParaRPr>
+          </a:p>
+          <a:p>
+            <a:pPr marL="0" indent="0"/>
+            <a:r>
+              <a:rPr lang="en-US" altLang="ja-JP" sz="1200" dirty="0" smtClean="0"/>
+              <a:t>	-</a:t>
+            </a:r>
+            <a:r>
+              <a:rPr lang="ja-JP" altLang="en-US" sz="1200" dirty="0" smtClean="0"/>
+              <a:t>ファイル内容一致日は</a:t>
             </a:r>
             <a:r>
               <a:rPr lang="ja-JP" altLang="en-US" sz="1200" dirty="0" smtClean="0">
@@ -5310,13 +5432,13 @@
               </a:rPr>
               <a:t>白</a:t>
             </a:r>
-            <a:r>
-              <a:rPr lang="ja-JP" altLang="en-US" sz="1200" dirty="0" smtClean="0"/>
-              <a:t>、</a:t>
-            </a:r>
+            <a:endParaRPr lang="en-US" altLang="ja-JP" sz="1200" dirty="0"/>
+          </a:p>
+          <a:p>
+            <a:pPr marL="0" indent="0"/>
             <a:r>
               <a:rPr lang="en-US" altLang="ja-JP" sz="1200" dirty="0" smtClean="0"/>
-              <a:t>C</a:t>
+              <a:t>	-C</a:t>
             </a:r>
             <a:r>
               <a:rPr lang="ja-JP" altLang="en-US" sz="1200" dirty="0" smtClean="0"/>
@@ -5330,9 +5452,17 @@
               </a:rPr>
               <a:t>紫</a:t>
             </a:r>
+            <a:endParaRPr lang="en-US" altLang="ja-JP" sz="1200" dirty="0"/>
+          </a:p>
+          <a:p>
+            <a:pPr marL="0" indent="0"/>
+            <a:r>
+              <a:rPr lang="en-US" altLang="ja-JP" sz="1200" dirty="0" smtClean="0"/>
+              <a:t>	-</a:t>
+            </a:r>
             <a:r>
               <a:rPr lang="ja-JP" altLang="en-US" sz="1200" dirty="0" smtClean="0"/>
-              <a:t>、対象外日は</a:t>
+              <a:t>対象外日は</a:t>
             </a:r>
             <a:r>
               <a:rPr lang="ja-JP" altLang="en-US" sz="1200" dirty="0" smtClean="0">
@@ -5344,6 +5474,26 @@
               </a:rPr>
               <a:t>灰色</a:t>
             </a:r>
+            <a:endParaRPr lang="en-US" altLang="ja-JP" sz="1200" dirty="0">
+              <a:solidFill>
+                <a:schemeClr val="bg1">
+                  <a:lumMod val="50000"/>
+                </a:schemeClr>
+              </a:solidFill>
+            </a:endParaRPr>
+          </a:p>
+          <a:p>
+            <a:pPr marL="0" indent="0"/>
+            <a:r>
+              <a:rPr lang="en-US" altLang="ja-JP" sz="1200" dirty="0" smtClean="0">
+                <a:solidFill>
+                  <a:schemeClr val="bg1">
+                    <a:lumMod val="50000"/>
+                  </a:schemeClr>
+                </a:solidFill>
+              </a:rPr>
+              <a:t>      </a:t>
+            </a:r>
             <a:r>
               <a:rPr lang="ja-JP" altLang="en-US" sz="1200" dirty="0" smtClean="0"/>
               <a:t>で表示されます。</a:t>
@@ -5365,7 +5515,7 @@
       </p:sp>
       <p:pic>
         <p:nvPicPr>
-          <p:cNvPr id="2" name="図 1"/>
+          <p:cNvPr id="5" name="図 4"/>
           <p:cNvPicPr>
             <a:picLocks noChangeAspect="1"/>
           </p:cNvPicPr>
@@ -5379,13 +5529,13 @@
               </a:ext>
             </a:extLst>
           </a:blip>
-          <a:srcRect r="13293" b="36719"/>
+          <a:srcRect t="1" r="27543" b="94122"/>
           <a:stretch/>
         </p:blipFill>
         <p:spPr>
           <a:xfrm>
-            <a:off x="327636" y="923770"/>
-            <a:ext cx="8550999" cy="3982766"/>
+            <a:off x="325979" y="801633"/>
+            <a:ext cx="8560840" cy="3904479"/>
           </a:xfrm>
           <a:prstGeom prst="rect">
             <a:avLst/>
@@ -5407,6 +5557,13 @@
   <p:clrMapOvr>
     <a:masterClrMapping/>
   </p:clrMapOvr>
+  <p:timing>
+    <p:tnLst>
+      <p:par>
+        <p:cTn id="1" dur="indefinite" restart="never" nodeType="tmRoot"/>
+      </p:par>
+    </p:tnLst>
+  </p:timing>
 </p:sld>
 </file>
 
@@ -5515,8 +5672,8 @@
         </p:nvSpPr>
         <p:spPr>
           <a:xfrm>
-            <a:off x="578853" y="3509371"/>
-            <a:ext cx="7975600" cy="1366575"/>
+            <a:off x="578852" y="3484658"/>
+            <a:ext cx="7975600" cy="1891685"/>
           </a:xfrm>
         </p:spPr>
         <p:txBody>
@@ -5540,25 +5697,108 @@
               <a:rPr lang="ja-JP" altLang="en-US" sz="1200" dirty="0" smtClean="0"/>
               <a:t>算定漏れ日は</a:t>
             </a:r>
-            <a:r>
-              <a:rPr lang="ja-JP" altLang="en-US" sz="1200" dirty="0" smtClean="0">
+            <a:endParaRPr lang="en-US" altLang="ja-JP" sz="1200" dirty="0" smtClean="0"/>
+          </a:p>
+          <a:p>
+            <a:pPr marL="0" indent="0"/>
+            <a:r>
+              <a:rPr lang="en-US" altLang="ja-JP" sz="1200" dirty="0">
+                <a:solidFill>
+                  <a:srgbClr val="FF0000"/>
+                </a:solidFill>
+              </a:rPr>
+              <a:t>	</a:t>
+            </a:r>
+            <a:r>
+              <a:rPr lang="en-US" altLang="ja-JP" sz="1200" dirty="0"/>
+              <a:t>-EF</a:t>
+            </a:r>
+            <a:r>
+              <a:rPr lang="ja-JP" altLang="en-US" sz="1200" dirty="0"/>
+              <a:t>ファイルのみ記入がある場合は</a:t>
+            </a:r>
+            <a:r>
+              <a:rPr lang="ja-JP" altLang="en-US" sz="1200" dirty="0">
                 <a:solidFill>
                   <a:srgbClr val="FF0000"/>
                 </a:solidFill>
               </a:rPr>
               <a:t>赤</a:t>
             </a:r>
+            <a:endParaRPr lang="en-US" altLang="ja-JP" sz="1200" dirty="0"/>
+          </a:p>
+          <a:p>
+            <a:pPr marL="0" indent="0"/>
+            <a:r>
+              <a:rPr lang="en-US" altLang="ja-JP" sz="1200" dirty="0"/>
+              <a:t>	-H</a:t>
+            </a:r>
+            <a:r>
+              <a:rPr lang="ja-JP" altLang="en-US" sz="1200" dirty="0"/>
+              <a:t>ファイルのみ記入がある場合は</a:t>
+            </a:r>
+            <a:r>
+              <a:rPr lang="ja-JP" altLang="en-US" sz="1200" dirty="0" smtClean="0">
+                <a:solidFill>
+                  <a:schemeClr val="accent6">
+                    <a:lumMod val="60000"/>
+                    <a:lumOff val="40000"/>
+                  </a:schemeClr>
+                </a:solidFill>
+              </a:rPr>
+              <a:t>オレンジ</a:t>
+            </a:r>
+            <a:endParaRPr lang="en-US" altLang="ja-JP" sz="1200" dirty="0"/>
+          </a:p>
+          <a:p>
+            <a:pPr marL="0" indent="0"/>
+            <a:r>
+              <a:rPr lang="en-US" altLang="ja-JP" sz="1200" dirty="0" smtClean="0"/>
+              <a:t>	-</a:t>
+            </a:r>
             <a:r>
               <a:rPr lang="ja-JP" altLang="en-US" sz="1200" dirty="0" smtClean="0"/>
-              <a:t>、ファイル内容一致日、</a:t>
+              <a:t>ファイル</a:t>
+            </a:r>
+            <a:r>
+              <a:rPr lang="ja-JP" altLang="en-US" sz="1200" dirty="0"/>
+              <a:t>内容一致</a:t>
+            </a:r>
+            <a:r>
+              <a:rPr lang="ja-JP" altLang="en-US" sz="1200" dirty="0" smtClean="0"/>
+              <a:t>日は白</a:t>
+            </a:r>
+            <a:endParaRPr lang="en-US" altLang="ja-JP" sz="1200" dirty="0" smtClean="0"/>
+          </a:p>
+          <a:p>
+            <a:pPr marL="0" indent="0"/>
+            <a:r>
+              <a:rPr lang="en-US" altLang="ja-JP" sz="1200" dirty="0"/>
+              <a:t>	</a:t>
             </a:r>
             <a:r>
               <a:rPr lang="en-US" altLang="ja-JP" sz="1200" dirty="0" smtClean="0"/>
-              <a:t>C</a:t>
+              <a:t>-C</a:t>
             </a:r>
             <a:r>
               <a:rPr lang="ja-JP" altLang="en-US" sz="1200" dirty="0" smtClean="0"/>
-              <a:t>項目外となる集中治療室は白で表示されます。</a:t>
+              <a:t>項目外となる集中治療室は</a:t>
+            </a:r>
+            <a:r>
+              <a:rPr lang="ja-JP" altLang="en-US" sz="1200" dirty="0">
+                <a:solidFill>
+                  <a:schemeClr val="accent4"/>
+                </a:solidFill>
+              </a:rPr>
+              <a:t>紫</a:t>
+            </a:r>
+            <a:endParaRPr lang="en-US" altLang="ja-JP" sz="1200" dirty="0"/>
+          </a:p>
+          <a:p>
+            <a:pPr marL="0" indent="0"/>
+            <a:r>
+              <a:rPr lang="ja-JP" altLang="en-US" sz="1200" dirty="0" smtClean="0"/>
+              <a:t>　　 で表示されます。</a:t>
             </a:r>
             <a:endParaRPr lang="en-US" altLang="ja-JP" sz="1200" dirty="0" smtClean="0"/>
           </a:p>
@@ -5566,7 +5806,7 @@
       </p:sp>
       <p:pic>
         <p:nvPicPr>
-          <p:cNvPr id="5" name="図 4"/>
+          <p:cNvPr id="2" name="図 1"/>
           <p:cNvPicPr>
             <a:picLocks noChangeAspect="1"/>
           </p:cNvPicPr>
@@ -5580,13 +5820,13 @@
               </a:ext>
             </a:extLst>
           </a:blip>
-          <a:srcRect r="15000" b="61353"/>
+          <a:srcRect r="27561" b="69467"/>
           <a:stretch/>
         </p:blipFill>
         <p:spPr>
           <a:xfrm>
-            <a:off x="257495" y="841533"/>
-            <a:ext cx="8610241" cy="2291960"/>
+            <a:off x="185572" y="1001092"/>
+            <a:ext cx="8762161" cy="2214041"/>
           </a:xfrm>
           <a:prstGeom prst="rect">
             <a:avLst/>
@@ -5608,6 +5848,13 @@
   <p:clrMapOvr>
     <a:masterClrMapping/>
   </p:clrMapOvr>
+  <p:timing>
+    <p:tnLst>
+      <p:par>
+        <p:cTn id="1" dur="indefinite" restart="never" nodeType="tmRoot"/>
+      </p:par>
+    </p:tnLst>
+  </p:timing>
 </p:sld>
 </file>
 
@@ -5869,6 +6116,13 @@
   <p:clrMapOvr>
     <a:masterClrMapping/>
   </p:clrMapOvr>
+  <p:timing>
+    <p:tnLst>
+      <p:par>
+        <p:cTn id="1" dur="indefinite" restart="never" nodeType="tmRoot"/>
+      </p:par>
+    </p:tnLst>
+  </p:timing>
 </p:sld>
 </file>
 
@@ -6132,6 +6386,13 @@
   <p:clrMapOvr>
     <a:masterClrMapping/>
   </p:clrMapOvr>
+  <p:timing>
+    <p:tnLst>
+      <p:par>
+        <p:cTn id="1" dur="indefinite" restart="never" nodeType="tmRoot"/>
+      </p:par>
+    </p:tnLst>
+  </p:timing>
 </p:sld>
 </file>
 
